--- a/slides/07_dependency.pptx
+++ b/slides/07_dependency.pptx
@@ -235,7 +235,7 @@
           <a:p>
             <a:fld id="{A5B9E9DD-BE87-46D0-98E6-18D835742F3D}" type="datetimeFigureOut">
               <a:rPr lang="en-US" smtClean="0"/>
-              <a:t>3/10/22</a:t>
+              <a:t>3/10/2022</a:t>
             </a:fld>
             <a:endParaRPr lang="en-US"/>
           </a:p>
@@ -2898,8 +2898,8 @@
           </a:p>
         </p:txBody>
       </p:sp>
-      <mc:AlternateContent xmlns:mc="http://schemas.openxmlformats.org/markup-compatibility/2006">
-        <mc:Choice xmlns:a14="http://schemas.microsoft.com/office/drawing/2010/main" Requires="a14">
+      <mc:AlternateContent xmlns:mc="http://schemas.openxmlformats.org/markup-compatibility/2006" xmlns:a14="http://schemas.microsoft.com/office/drawing/2010/main">
+        <mc:Choice Requires="a14">
           <p:sp>
             <p:nvSpPr>
               <p:cNvPr id="3" name="Content Placeholder 2">
@@ -3013,7 +3013,7 @@
             </p:txBody>
           </p:sp>
         </mc:Choice>
-        <mc:Fallback>
+        <mc:Fallback xmlns="">
           <p:sp>
             <p:nvSpPr>
               <p:cNvPr id="3" name="Content Placeholder 2">
@@ -5894,18 +5894,10 @@
             </a:r>
           </a:p>
           <a:p>
-            <a:pPr lvl="1"/>
-            <a:r>
-              <a:rPr lang="en-US" dirty="0">
-                <a:latin typeface="Fira Code" pitchFamily="49" charset="0"/>
-                <a:cs typeface="Fira Code" pitchFamily="49" charset="0"/>
-              </a:rPr>
-              <a:t>phi</a:t>
-            </a:r>
-            <a:r>
-              <a:rPr lang="en-US" dirty="0"/>
-              <a:t> = assumed correlation(s) for outcomes measured at the same time</a:t>
-            </a:r>
+            <a:pPr marL="457262" lvl="1" indent="0">
+              <a:buNone/>
+            </a:pPr>
+            <a:endParaRPr lang="en-US" dirty="0"/>
           </a:p>
           <a:p>
             <a:pPr lvl="1"/>
@@ -7039,8 +7031,8 @@
           </a:p>
         </p:txBody>
       </p:sp>
-      <mc:AlternateContent xmlns:mc="http://schemas.openxmlformats.org/markup-compatibility/2006">
-        <mc:Choice xmlns:a14="http://schemas.microsoft.com/office/drawing/2010/main" Requires="a14">
+      <mc:AlternateContent xmlns:mc="http://schemas.openxmlformats.org/markup-compatibility/2006" xmlns:a14="http://schemas.microsoft.com/office/drawing/2010/main">
+        <mc:Choice Requires="a14">
           <p:sp>
             <p:nvSpPr>
               <p:cNvPr id="3" name="Content Placeholder 2">
@@ -7188,7 +7180,7 @@
             </p:txBody>
           </p:sp>
         </mc:Choice>
-        <mc:Fallback>
+        <mc:Fallback xmlns="">
           <p:sp>
             <p:nvSpPr>
               <p:cNvPr id="3" name="Content Placeholder 2">
@@ -7780,6 +7772,147 @@
           </a:p>
         </p:txBody>
       </p:sp>
+      <p:pic>
+        <p:nvPicPr>
+          <p:cNvPr id="1025" name="Picture 1" descr="page32image49995648">
+            <a:extLst>
+              <a:ext uri="{FF2B5EF4-FFF2-40B4-BE49-F238E27FC236}">
+                <a16:creationId xmlns:a16="http://schemas.microsoft.com/office/drawing/2014/main" id="{7A3B464F-EDE2-4762-9101-2FDE9526CDFE}"/>
+              </a:ext>
+            </a:extLst>
+          </p:cNvPr>
+          <p:cNvPicPr>
+            <a:picLocks noChangeAspect="1" noChangeArrowheads="1"/>
+          </p:cNvPicPr>
+          <p:nvPr/>
+        </p:nvPicPr>
+        <p:blipFill>
+          <a:blip r:embed="rId2">
+            <a:extLst>
+              <a:ext uri="{28A0092B-C50C-407E-A947-70E740481C1C}">
+                <a14:useLocalDpi xmlns:a14="http://schemas.microsoft.com/office/drawing/2010/main" val="0"/>
+              </a:ext>
+            </a:extLst>
+          </a:blip>
+          <a:srcRect/>
+          <a:stretch>
+            <a:fillRect/>
+          </a:stretch>
+        </p:blipFill>
+        <p:spPr bwMode="auto">
+          <a:xfrm>
+            <a:off x="0" y="0"/>
+            <a:ext cx="2552700" cy="355600"/>
+          </a:xfrm>
+          <a:prstGeom prst="rect">
+            <a:avLst/>
+          </a:prstGeom>
+          <a:noFill/>
+          <a:extLst>
+            <a:ext uri="{909E8E84-426E-40DD-AFC4-6F175D3DCCD1}">
+              <a14:hiddenFill xmlns:a14="http://schemas.microsoft.com/office/drawing/2010/main">
+                <a:solidFill>
+                  <a:srgbClr val="FFFFFF"/>
+                </a:solidFill>
+              </a14:hiddenFill>
+            </a:ext>
+          </a:extLst>
+        </p:spPr>
+      </p:pic>
+      <p:pic>
+        <p:nvPicPr>
+          <p:cNvPr id="1027" name="Picture 3" descr="page32image49995648">
+            <a:extLst>
+              <a:ext uri="{FF2B5EF4-FFF2-40B4-BE49-F238E27FC236}">
+                <a16:creationId xmlns:a16="http://schemas.microsoft.com/office/drawing/2014/main" id="{7E7AB22B-3B91-423D-9CDB-75C353E7B9DC}"/>
+              </a:ext>
+            </a:extLst>
+          </p:cNvPr>
+          <p:cNvPicPr>
+            <a:picLocks noChangeAspect="1" noChangeArrowheads="1"/>
+          </p:cNvPicPr>
+          <p:nvPr/>
+        </p:nvPicPr>
+        <p:blipFill>
+          <a:blip r:embed="rId2">
+            <a:extLst>
+              <a:ext uri="{28A0092B-C50C-407E-A947-70E740481C1C}">
+                <a14:useLocalDpi xmlns:a14="http://schemas.microsoft.com/office/drawing/2010/main" val="0"/>
+              </a:ext>
+            </a:extLst>
+          </a:blip>
+          <a:srcRect/>
+          <a:stretch>
+            <a:fillRect/>
+          </a:stretch>
+        </p:blipFill>
+        <p:spPr bwMode="auto">
+          <a:xfrm>
+            <a:off x="0" y="0"/>
+            <a:ext cx="2552700" cy="355600"/>
+          </a:xfrm>
+          <a:prstGeom prst="rect">
+            <a:avLst/>
+          </a:prstGeom>
+          <a:noFill/>
+          <a:extLst>
+            <a:ext uri="{909E8E84-426E-40DD-AFC4-6F175D3DCCD1}">
+              <a14:hiddenFill xmlns:a14="http://schemas.microsoft.com/office/drawing/2010/main">
+                <a:solidFill>
+                  <a:srgbClr val="FFFFFF"/>
+                </a:solidFill>
+              </a14:hiddenFill>
+            </a:ext>
+          </a:extLst>
+        </p:spPr>
+      </p:pic>
+      <p:pic>
+        <p:nvPicPr>
+          <p:cNvPr id="1029" name="Picture 5" descr="page32image49995648">
+            <a:extLst>
+              <a:ext uri="{FF2B5EF4-FFF2-40B4-BE49-F238E27FC236}">
+                <a16:creationId xmlns:a16="http://schemas.microsoft.com/office/drawing/2014/main" id="{5010DBFD-C251-4FF5-969A-62C156064286}"/>
+              </a:ext>
+            </a:extLst>
+          </p:cNvPr>
+          <p:cNvPicPr>
+            <a:picLocks noChangeAspect="1" noChangeArrowheads="1"/>
+          </p:cNvPicPr>
+          <p:nvPr/>
+        </p:nvPicPr>
+        <p:blipFill>
+          <a:blip r:embed="rId2">
+            <a:extLst>
+              <a:ext uri="{28A0092B-C50C-407E-A947-70E740481C1C}">
+                <a14:useLocalDpi xmlns:a14="http://schemas.microsoft.com/office/drawing/2010/main" val="0"/>
+              </a:ext>
+            </a:extLst>
+          </a:blip>
+          <a:srcRect/>
+          <a:stretch>
+            <a:fillRect/>
+          </a:stretch>
+        </p:blipFill>
+        <p:spPr bwMode="auto">
+          <a:xfrm>
+            <a:off x="0" y="0"/>
+            <a:ext cx="2552700" cy="355600"/>
+          </a:xfrm>
+          <a:prstGeom prst="rect">
+            <a:avLst/>
+          </a:prstGeom>
+          <a:noFill/>
+          <a:extLst>
+            <a:ext uri="{909E8E84-426E-40DD-AFC4-6F175D3DCCD1}">
+              <a14:hiddenFill xmlns:a14="http://schemas.microsoft.com/office/drawing/2010/main">
+                <a:solidFill>
+                  <a:srgbClr val="FFFFFF"/>
+                </a:solidFill>
+              </a14:hiddenFill>
+            </a:ext>
+          </a:extLst>
+        </p:spPr>
+      </p:pic>
     </p:spTree>
     <p:extLst>
       <p:ext uri="{BB962C8B-B14F-4D97-AF65-F5344CB8AC3E}">
@@ -8476,21 +8609,6 @@
 </file>
 
 <file path=customXml/item1.xml><?xml version="1.0" encoding="utf-8"?>
-<p:properties xmlns:p="http://schemas.microsoft.com/office/2006/metadata/properties" xmlns:xsi="http://www.w3.org/2001/XMLSchema-instance" xmlns:pc="http://schemas.microsoft.com/office/infopath/2007/PartnerControls">
-  <documentManagement/>
-</p:properties>
-</file>
-
-<file path=customXml/item2.xml><?xml version="1.0" encoding="utf-8"?>
-<?mso-contentType ?>
-<FormTemplates xmlns="http://schemas.microsoft.com/sharepoint/v3/contenttype/forms">
-  <Display>DocumentLibraryForm</Display>
-  <Edit>DocumentLibraryForm</Edit>
-  <New>DocumentLibraryForm</New>
-</FormTemplates>
-</file>
-
-<file path=customXml/item3.xml><?xml version="1.0" encoding="utf-8"?>
 <ct:contentTypeSchema xmlns:ct="http://schemas.microsoft.com/office/2006/metadata/contentType" xmlns:ma="http://schemas.microsoft.com/office/2006/metadata/properties/metaAttributes" ct:_="" ma:_="" ma:contentTypeName="Document" ma:contentTypeID="0x010100C510C8780454A64385BF21049B1850C5" ma:contentTypeVersion="7" ma:contentTypeDescription="Create a new document." ma:contentTypeScope="" ma:versionID="47a68a81adc4e0e7972bb95a1a99f0b4">
   <xsd:schema xmlns:xsd="http://www.w3.org/2001/XMLSchema" xmlns:xs="http://www.w3.org/2001/XMLSchema" xmlns:p="http://schemas.microsoft.com/office/2006/metadata/properties" xmlns:ns2="d0331357-42e6-4e40-bf0a-1c2f9464db1b" targetNamespace="http://schemas.microsoft.com/office/2006/metadata/properties" ma:root="true" ma:fieldsID="01ec8d09ee7b5b75bd0cb813fd513e00" ns2:_="">
     <xsd:import namespace="d0331357-42e6-4e40-bf0a-1c2f9464db1b"/>
@@ -8654,31 +8772,22 @@
 </ct:contentTypeSchema>
 </file>
 
-<file path=customXml/itemProps1.xml><?xml version="1.0" encoding="utf-8"?>
-<ds:datastoreItem xmlns:ds="http://schemas.openxmlformats.org/officeDocument/2006/customXml" ds:itemID="{11197415-BC9D-4352-8615-FFE6194E5163}">
-  <ds:schemaRefs>
-    <ds:schemaRef ds:uri="http://schemas.microsoft.com/office/2006/documentManagement/types"/>
-    <ds:schemaRef ds:uri="http://purl.org/dc/elements/1.1/"/>
-    <ds:schemaRef ds:uri="http://schemas.microsoft.com/office/2006/metadata/properties"/>
-    <ds:schemaRef ds:uri="d0331357-42e6-4e40-bf0a-1c2f9464db1b"/>
-    <ds:schemaRef ds:uri="http://www.w3.org/XML/1998/namespace"/>
-    <ds:schemaRef ds:uri="http://purl.org/dc/terms/"/>
-    <ds:schemaRef ds:uri="http://purl.org/dc/dcmitype/"/>
-    <ds:schemaRef ds:uri="http://schemas.microsoft.com/office/infopath/2007/PartnerControls"/>
-    <ds:schemaRef ds:uri="http://schemas.openxmlformats.org/package/2006/metadata/core-properties"/>
-  </ds:schemaRefs>
-</ds:datastoreItem>
+<file path=customXml/item2.xml><?xml version="1.0" encoding="utf-8"?>
+<?mso-contentType ?>
+<FormTemplates xmlns="http://schemas.microsoft.com/sharepoint/v3/contenttype/forms">
+  <Display>DocumentLibraryForm</Display>
+  <Edit>DocumentLibraryForm</Edit>
+  <New>DocumentLibraryForm</New>
+</FormTemplates>
 </file>
 
-<file path=customXml/itemProps2.xml><?xml version="1.0" encoding="utf-8"?>
-<ds:datastoreItem xmlns:ds="http://schemas.openxmlformats.org/officeDocument/2006/customXml" ds:itemID="{65F011C9-6572-4E3B-BA4C-E687532965A9}">
-  <ds:schemaRefs>
-    <ds:schemaRef ds:uri="http://schemas.microsoft.com/sharepoint/v3/contenttype/forms"/>
-  </ds:schemaRefs>
-</ds:datastoreItem>
+<file path=customXml/item3.xml><?xml version="1.0" encoding="utf-8"?>
+<p:properties xmlns:p="http://schemas.microsoft.com/office/2006/metadata/properties" xmlns:xsi="http://www.w3.org/2001/XMLSchema-instance" xmlns:pc="http://schemas.microsoft.com/office/infopath/2007/PartnerControls">
+  <documentManagement/>
+</p:properties>
 </file>
 
-<file path=customXml/itemProps3.xml><?xml version="1.0" encoding="utf-8"?>
+<file path=customXml/itemProps1.xml><?xml version="1.0" encoding="utf-8"?>
 <ds:datastoreItem xmlns:ds="http://schemas.openxmlformats.org/officeDocument/2006/customXml" ds:itemID="{8E01F417-FF7B-490D-BC83-D2E21BA12BB0}">
   <ds:schemaRefs>
     <ds:schemaRef ds:uri="d0331357-42e6-4e40-bf0a-1c2f9464db1b"/>
@@ -8694,4 +8803,28 @@
     <ds:schemaRef ds:uri="http://www.w3.org/2001/XMLSchema"/>
   </ds:schemaRefs>
 </ds:datastoreItem>
+</file>
+
+<file path=customXml/itemProps2.xml><?xml version="1.0" encoding="utf-8"?>
+<ds:datastoreItem xmlns:ds="http://schemas.openxmlformats.org/officeDocument/2006/customXml" ds:itemID="{65F011C9-6572-4E3B-BA4C-E687532965A9}">
+  <ds:schemaRefs>
+    <ds:schemaRef ds:uri="http://schemas.microsoft.com/sharepoint/v3/contenttype/forms"/>
+  </ds:schemaRefs>
+</ds:datastoreItem>
+</file>
+
+<file path=customXml/itemProps3.xml><?xml version="1.0" encoding="utf-8"?>
+<ds:datastoreItem xmlns:ds="http://schemas.openxmlformats.org/officeDocument/2006/customXml" ds:itemID="{11197415-BC9D-4352-8615-FFE6194E5163}">
+  <ds:schemaRefs>
+    <ds:schemaRef ds:uri="http://schemas.microsoft.com/office/2006/documentManagement/types"/>
+    <ds:schemaRef ds:uri="http://purl.org/dc/elements/1.1/"/>
+    <ds:schemaRef ds:uri="http://schemas.microsoft.com/office/2006/metadata/properties"/>
+    <ds:schemaRef ds:uri="d0331357-42e6-4e40-bf0a-1c2f9464db1b"/>
+    <ds:schemaRef ds:uri="http://www.w3.org/XML/1998/namespace"/>
+    <ds:schemaRef ds:uri="http://purl.org/dc/terms/"/>
+    <ds:schemaRef ds:uri="http://purl.org/dc/dcmitype/"/>
+    <ds:schemaRef ds:uri="http://schemas.microsoft.com/office/infopath/2007/PartnerControls"/>
+    <ds:schemaRef ds:uri="http://schemas.openxmlformats.org/package/2006/metadata/core-properties"/>
+  </ds:schemaRefs>
+</ds:datastoreItem>
 </file>
--- a/slides/07_dependency.pptx
+++ b/slides/07_dependency.pptx
@@ -235,7 +235,7 @@
           <a:p>
             <a:fld id="{A5B9E9DD-BE87-46D0-98E6-18D835742F3D}" type="datetimeFigureOut">
               <a:rPr lang="en-US" smtClean="0"/>
-              <a:t>3/10/2022</a:t>
+              <a:t>3/9/23</a:t>
             </a:fld>
             <a:endParaRPr lang="en-US"/>
           </a:p>
@@ -3212,6 +3212,13 @@
             <a:pPr lvl="1"/>
             <a:r>
               <a:rPr lang="en-US" dirty="0"/>
+              <a:t>Can’t handle complex clustering</a:t>
+            </a:r>
+          </a:p>
+          <a:p>
+            <a:pPr lvl="1"/>
+            <a:r>
+              <a:rPr lang="en-US" dirty="0"/>
               <a:t>Can be inefficient</a:t>
             </a:r>
           </a:p>
@@ -4146,6 +4153,12 @@
             <a:r>
               <a:rPr lang="en-US" dirty="0"/>
               <a:t>e.g., Extraversion, Conscientiousness, Agreeableness</a:t>
+            </a:r>
+          </a:p>
+          <a:p>
+            <a:r>
+              <a:rPr lang="en-US" dirty="0"/>
+              <a:t>Multiple measures of the same concept</a:t>
             </a:r>
           </a:p>
           <a:p>
@@ -5614,7 +5627,7 @@
         </p:spPr>
         <p:txBody>
           <a:bodyPr>
-            <a:normAutofit lnSpcReduction="10000"/>
+            <a:normAutofit/>
           </a:bodyPr>
           <a:lstStyle/>
           <a:p>
@@ -7031,8 +7044,8 @@
           </a:p>
         </p:txBody>
       </p:sp>
-      <mc:AlternateContent xmlns:mc="http://schemas.openxmlformats.org/markup-compatibility/2006" xmlns:a14="http://schemas.microsoft.com/office/drawing/2010/main">
-        <mc:Choice Requires="a14">
+      <mc:AlternateContent xmlns:mc="http://schemas.openxmlformats.org/markup-compatibility/2006">
+        <mc:Choice xmlns:a14="http://schemas.microsoft.com/office/drawing/2010/main" Requires="a14">
           <p:sp>
             <p:nvSpPr>
               <p:cNvPr id="3" name="Content Placeholder 2">
@@ -7137,7 +7150,7 @@
                 <a:pPr lvl="1"/>
                 <a:r>
                   <a:rPr lang="en-US" dirty="0"/>
-                  <a:t>Correlations Correlations among </a:t>
+                  <a:t>Correlations among </a:t>
                 </a:r>
                 <a14:m>
                   <m:oMath xmlns:m="http://schemas.openxmlformats.org/officeDocument/2006/math">
@@ -7180,7 +7193,7 @@
             </p:txBody>
           </p:sp>
         </mc:Choice>
-        <mc:Fallback xmlns="">
+        <mc:Fallback>
           <p:sp>
             <p:nvSpPr>
               <p:cNvPr id="3" name="Content Placeholder 2">
@@ -7357,7 +7370,7 @@
         <p:spPr/>
         <p:txBody>
           <a:bodyPr>
-            <a:normAutofit fontScale="90000"/>
+            <a:normAutofit/>
           </a:bodyPr>
           <a:lstStyle/>
           <a:p>
@@ -7772,147 +7785,6 @@
           </a:p>
         </p:txBody>
       </p:sp>
-      <p:pic>
-        <p:nvPicPr>
-          <p:cNvPr id="1025" name="Picture 1" descr="page32image49995648">
-            <a:extLst>
-              <a:ext uri="{FF2B5EF4-FFF2-40B4-BE49-F238E27FC236}">
-                <a16:creationId xmlns:a16="http://schemas.microsoft.com/office/drawing/2014/main" id="{7A3B464F-EDE2-4762-9101-2FDE9526CDFE}"/>
-              </a:ext>
-            </a:extLst>
-          </p:cNvPr>
-          <p:cNvPicPr>
-            <a:picLocks noChangeAspect="1" noChangeArrowheads="1"/>
-          </p:cNvPicPr>
-          <p:nvPr/>
-        </p:nvPicPr>
-        <p:blipFill>
-          <a:blip r:embed="rId2">
-            <a:extLst>
-              <a:ext uri="{28A0092B-C50C-407E-A947-70E740481C1C}">
-                <a14:useLocalDpi xmlns:a14="http://schemas.microsoft.com/office/drawing/2010/main" val="0"/>
-              </a:ext>
-            </a:extLst>
-          </a:blip>
-          <a:srcRect/>
-          <a:stretch>
-            <a:fillRect/>
-          </a:stretch>
-        </p:blipFill>
-        <p:spPr bwMode="auto">
-          <a:xfrm>
-            <a:off x="0" y="0"/>
-            <a:ext cx="2552700" cy="355600"/>
-          </a:xfrm>
-          <a:prstGeom prst="rect">
-            <a:avLst/>
-          </a:prstGeom>
-          <a:noFill/>
-          <a:extLst>
-            <a:ext uri="{909E8E84-426E-40DD-AFC4-6F175D3DCCD1}">
-              <a14:hiddenFill xmlns:a14="http://schemas.microsoft.com/office/drawing/2010/main">
-                <a:solidFill>
-                  <a:srgbClr val="FFFFFF"/>
-                </a:solidFill>
-              </a14:hiddenFill>
-            </a:ext>
-          </a:extLst>
-        </p:spPr>
-      </p:pic>
-      <p:pic>
-        <p:nvPicPr>
-          <p:cNvPr id="1027" name="Picture 3" descr="page32image49995648">
-            <a:extLst>
-              <a:ext uri="{FF2B5EF4-FFF2-40B4-BE49-F238E27FC236}">
-                <a16:creationId xmlns:a16="http://schemas.microsoft.com/office/drawing/2014/main" id="{7E7AB22B-3B91-423D-9CDB-75C353E7B9DC}"/>
-              </a:ext>
-            </a:extLst>
-          </p:cNvPr>
-          <p:cNvPicPr>
-            <a:picLocks noChangeAspect="1" noChangeArrowheads="1"/>
-          </p:cNvPicPr>
-          <p:nvPr/>
-        </p:nvPicPr>
-        <p:blipFill>
-          <a:blip r:embed="rId2">
-            <a:extLst>
-              <a:ext uri="{28A0092B-C50C-407E-A947-70E740481C1C}">
-                <a14:useLocalDpi xmlns:a14="http://schemas.microsoft.com/office/drawing/2010/main" val="0"/>
-              </a:ext>
-            </a:extLst>
-          </a:blip>
-          <a:srcRect/>
-          <a:stretch>
-            <a:fillRect/>
-          </a:stretch>
-        </p:blipFill>
-        <p:spPr bwMode="auto">
-          <a:xfrm>
-            <a:off x="0" y="0"/>
-            <a:ext cx="2552700" cy="355600"/>
-          </a:xfrm>
-          <a:prstGeom prst="rect">
-            <a:avLst/>
-          </a:prstGeom>
-          <a:noFill/>
-          <a:extLst>
-            <a:ext uri="{909E8E84-426E-40DD-AFC4-6F175D3DCCD1}">
-              <a14:hiddenFill xmlns:a14="http://schemas.microsoft.com/office/drawing/2010/main">
-                <a:solidFill>
-                  <a:srgbClr val="FFFFFF"/>
-                </a:solidFill>
-              </a14:hiddenFill>
-            </a:ext>
-          </a:extLst>
-        </p:spPr>
-      </p:pic>
-      <p:pic>
-        <p:nvPicPr>
-          <p:cNvPr id="1029" name="Picture 5" descr="page32image49995648">
-            <a:extLst>
-              <a:ext uri="{FF2B5EF4-FFF2-40B4-BE49-F238E27FC236}">
-                <a16:creationId xmlns:a16="http://schemas.microsoft.com/office/drawing/2014/main" id="{5010DBFD-C251-4FF5-969A-62C156064286}"/>
-              </a:ext>
-            </a:extLst>
-          </p:cNvPr>
-          <p:cNvPicPr>
-            <a:picLocks noChangeAspect="1" noChangeArrowheads="1"/>
-          </p:cNvPicPr>
-          <p:nvPr/>
-        </p:nvPicPr>
-        <p:blipFill>
-          <a:blip r:embed="rId2">
-            <a:extLst>
-              <a:ext uri="{28A0092B-C50C-407E-A947-70E740481C1C}">
-                <a14:useLocalDpi xmlns:a14="http://schemas.microsoft.com/office/drawing/2010/main" val="0"/>
-              </a:ext>
-            </a:extLst>
-          </a:blip>
-          <a:srcRect/>
-          <a:stretch>
-            <a:fillRect/>
-          </a:stretch>
-        </p:blipFill>
-        <p:spPr bwMode="auto">
-          <a:xfrm>
-            <a:off x="0" y="0"/>
-            <a:ext cx="2552700" cy="355600"/>
-          </a:xfrm>
-          <a:prstGeom prst="rect">
-            <a:avLst/>
-          </a:prstGeom>
-          <a:noFill/>
-          <a:extLst>
-            <a:ext uri="{909E8E84-426E-40DD-AFC4-6F175D3DCCD1}">
-              <a14:hiddenFill xmlns:a14="http://schemas.microsoft.com/office/drawing/2010/main">
-                <a:solidFill>
-                  <a:srgbClr val="FFFFFF"/>
-                </a:solidFill>
-              </a14:hiddenFill>
-            </a:ext>
-          </a:extLst>
-        </p:spPr>
-      </p:pic>
     </p:spTree>
     <p:extLst>
       <p:ext uri="{BB962C8B-B14F-4D97-AF65-F5344CB8AC3E}">
@@ -8609,6 +8481,21 @@
 </file>
 
 <file path=customXml/item1.xml><?xml version="1.0" encoding="utf-8"?>
+<p:properties xmlns:p="http://schemas.microsoft.com/office/2006/metadata/properties" xmlns:xsi="http://www.w3.org/2001/XMLSchema-instance" xmlns:pc="http://schemas.microsoft.com/office/infopath/2007/PartnerControls">
+  <documentManagement/>
+</p:properties>
+</file>
+
+<file path=customXml/item2.xml><?xml version="1.0" encoding="utf-8"?>
+<?mso-contentType ?>
+<FormTemplates xmlns="http://schemas.microsoft.com/sharepoint/v3/contenttype/forms">
+  <Display>DocumentLibraryForm</Display>
+  <Edit>DocumentLibraryForm</Edit>
+  <New>DocumentLibraryForm</New>
+</FormTemplates>
+</file>
+
+<file path=customXml/item3.xml><?xml version="1.0" encoding="utf-8"?>
 <ct:contentTypeSchema xmlns:ct="http://schemas.microsoft.com/office/2006/metadata/contentType" xmlns:ma="http://schemas.microsoft.com/office/2006/metadata/properties/metaAttributes" ct:_="" ma:_="" ma:contentTypeName="Document" ma:contentTypeID="0x010100C510C8780454A64385BF21049B1850C5" ma:contentTypeVersion="7" ma:contentTypeDescription="Create a new document." ma:contentTypeScope="" ma:versionID="47a68a81adc4e0e7972bb95a1a99f0b4">
   <xsd:schema xmlns:xsd="http://www.w3.org/2001/XMLSchema" xmlns:xs="http://www.w3.org/2001/XMLSchema" xmlns:p="http://schemas.microsoft.com/office/2006/metadata/properties" xmlns:ns2="d0331357-42e6-4e40-bf0a-1c2f9464db1b" targetNamespace="http://schemas.microsoft.com/office/2006/metadata/properties" ma:root="true" ma:fieldsID="01ec8d09ee7b5b75bd0cb813fd513e00" ns2:_="">
     <xsd:import namespace="d0331357-42e6-4e40-bf0a-1c2f9464db1b"/>
@@ -8772,22 +8659,31 @@
 </ct:contentTypeSchema>
 </file>
 
-<file path=customXml/item2.xml><?xml version="1.0" encoding="utf-8"?>
-<?mso-contentType ?>
-<FormTemplates xmlns="http://schemas.microsoft.com/sharepoint/v3/contenttype/forms">
-  <Display>DocumentLibraryForm</Display>
-  <Edit>DocumentLibraryForm</Edit>
-  <New>DocumentLibraryForm</New>
-</FormTemplates>
+<file path=customXml/itemProps1.xml><?xml version="1.0" encoding="utf-8"?>
+<ds:datastoreItem xmlns:ds="http://schemas.openxmlformats.org/officeDocument/2006/customXml" ds:itemID="{11197415-BC9D-4352-8615-FFE6194E5163}">
+  <ds:schemaRefs>
+    <ds:schemaRef ds:uri="http://schemas.microsoft.com/office/2006/documentManagement/types"/>
+    <ds:schemaRef ds:uri="http://purl.org/dc/elements/1.1/"/>
+    <ds:schemaRef ds:uri="http://schemas.microsoft.com/office/2006/metadata/properties"/>
+    <ds:schemaRef ds:uri="d0331357-42e6-4e40-bf0a-1c2f9464db1b"/>
+    <ds:schemaRef ds:uri="http://www.w3.org/XML/1998/namespace"/>
+    <ds:schemaRef ds:uri="http://purl.org/dc/terms/"/>
+    <ds:schemaRef ds:uri="http://purl.org/dc/dcmitype/"/>
+    <ds:schemaRef ds:uri="http://schemas.microsoft.com/office/infopath/2007/PartnerControls"/>
+    <ds:schemaRef ds:uri="http://schemas.openxmlformats.org/package/2006/metadata/core-properties"/>
+  </ds:schemaRefs>
+</ds:datastoreItem>
 </file>
 
-<file path=customXml/item3.xml><?xml version="1.0" encoding="utf-8"?>
-<p:properties xmlns:p="http://schemas.microsoft.com/office/2006/metadata/properties" xmlns:xsi="http://www.w3.org/2001/XMLSchema-instance" xmlns:pc="http://schemas.microsoft.com/office/infopath/2007/PartnerControls">
-  <documentManagement/>
-</p:properties>
+<file path=customXml/itemProps2.xml><?xml version="1.0" encoding="utf-8"?>
+<ds:datastoreItem xmlns:ds="http://schemas.openxmlformats.org/officeDocument/2006/customXml" ds:itemID="{65F011C9-6572-4E3B-BA4C-E687532965A9}">
+  <ds:schemaRefs>
+    <ds:schemaRef ds:uri="http://schemas.microsoft.com/sharepoint/v3/contenttype/forms"/>
+  </ds:schemaRefs>
+</ds:datastoreItem>
 </file>
 
-<file path=customXml/itemProps1.xml><?xml version="1.0" encoding="utf-8"?>
+<file path=customXml/itemProps3.xml><?xml version="1.0" encoding="utf-8"?>
 <ds:datastoreItem xmlns:ds="http://schemas.openxmlformats.org/officeDocument/2006/customXml" ds:itemID="{8E01F417-FF7B-490D-BC83-D2E21BA12BB0}">
   <ds:schemaRefs>
     <ds:schemaRef ds:uri="d0331357-42e6-4e40-bf0a-1c2f9464db1b"/>
@@ -8803,28 +8699,4 @@
     <ds:schemaRef ds:uri="http://www.w3.org/2001/XMLSchema"/>
   </ds:schemaRefs>
 </ds:datastoreItem>
-</file>
-
-<file path=customXml/itemProps2.xml><?xml version="1.0" encoding="utf-8"?>
-<ds:datastoreItem xmlns:ds="http://schemas.openxmlformats.org/officeDocument/2006/customXml" ds:itemID="{65F011C9-6572-4E3B-BA4C-E687532965A9}">
-  <ds:schemaRefs>
-    <ds:schemaRef ds:uri="http://schemas.microsoft.com/sharepoint/v3/contenttype/forms"/>
-  </ds:schemaRefs>
-</ds:datastoreItem>
-</file>
-
-<file path=customXml/itemProps3.xml><?xml version="1.0" encoding="utf-8"?>
-<ds:datastoreItem xmlns:ds="http://schemas.openxmlformats.org/officeDocument/2006/customXml" ds:itemID="{11197415-BC9D-4352-8615-FFE6194E5163}">
-  <ds:schemaRefs>
-    <ds:schemaRef ds:uri="http://schemas.microsoft.com/office/2006/documentManagement/types"/>
-    <ds:schemaRef ds:uri="http://purl.org/dc/elements/1.1/"/>
-    <ds:schemaRef ds:uri="http://schemas.microsoft.com/office/2006/metadata/properties"/>
-    <ds:schemaRef ds:uri="d0331357-42e6-4e40-bf0a-1c2f9464db1b"/>
-    <ds:schemaRef ds:uri="http://www.w3.org/XML/1998/namespace"/>
-    <ds:schemaRef ds:uri="http://purl.org/dc/terms/"/>
-    <ds:schemaRef ds:uri="http://purl.org/dc/dcmitype/"/>
-    <ds:schemaRef ds:uri="http://schemas.microsoft.com/office/infopath/2007/PartnerControls"/>
-    <ds:schemaRef ds:uri="http://schemas.openxmlformats.org/package/2006/metadata/core-properties"/>
-  </ds:schemaRefs>
-</ds:datastoreItem>
 </file>